--- a/6_Reports/6_3_Midterm_Report/Midterm_Report.pptx
+++ b/6_Reports/6_3_Midterm_Report/Midterm_Report.pptx
@@ -34162,8 +34162,8 @@
         </p:blipFill>
         <p:spPr>
           <a:xfrm>
-            <a:off x="4318204" y="1184933"/>
-            <a:ext cx="4237105" cy="2349747"/>
+            <a:off x="4857005" y="1417878"/>
+            <a:ext cx="3817054" cy="2116802"/>
           </a:xfrm>
           <a:prstGeom prst="rect">
             <a:avLst/>
@@ -34997,10 +34997,10 @@
       </p:pic>
       <p:grpSp>
         <p:nvGrpSpPr>
-          <p:cNvPr id="63" name="群組 62">
+          <p:cNvPr id="2" name="群組 1">
             <a:extLst>
               <a:ext uri="{FF2B5EF4-FFF2-40B4-BE49-F238E27FC236}">
-                <a16:creationId xmlns:a16="http://schemas.microsoft.com/office/drawing/2014/main" id="{E6C08648-301A-A98C-6F91-3ECB6228A4C9}"/>
+                <a16:creationId xmlns:a16="http://schemas.microsoft.com/office/drawing/2014/main" id="{0080E33D-605F-C8AC-3093-E2F25D6D0D84}"/>
               </a:ext>
             </a:extLst>
           </p:cNvPr>
@@ -35009,18 +35009,106 @@
         </p:nvGrpSpPr>
         <p:grpSpPr>
           <a:xfrm>
-            <a:off x="192088" y="1534049"/>
-            <a:ext cx="8658746" cy="4078828"/>
-            <a:chOff x="192088" y="1891802"/>
-            <a:chExt cx="8658746" cy="4078828"/>
+            <a:off x="276306" y="1624981"/>
+            <a:ext cx="8574528" cy="4345649"/>
+            <a:chOff x="276306" y="1624981"/>
+            <a:chExt cx="8574528" cy="4345649"/>
           </a:xfrm>
         </p:grpSpPr>
+        <p:cxnSp>
+          <p:nvCxnSpPr>
+            <p:cNvPr id="3" name="直接箭头连接符 24">
+              <a:extLst>
+                <a:ext uri="{FF2B5EF4-FFF2-40B4-BE49-F238E27FC236}">
+                  <a16:creationId xmlns:a16="http://schemas.microsoft.com/office/drawing/2014/main" id="{929FCF2F-D4CE-FC2A-7EA1-AF89A6D20CE6}"/>
+                </a:ext>
+              </a:extLst>
+            </p:cNvPr>
+            <p:cNvCxnSpPr>
+              <a:cxnSpLocks/>
+              <a:stCxn id="5" idx="3"/>
+              <a:endCxn id="19" idx="1"/>
+            </p:cNvCxnSpPr>
+            <p:nvPr/>
+          </p:nvCxnSpPr>
+          <p:spPr>
+            <a:xfrm flipV="1">
+              <a:off x="2198775" y="2197808"/>
+              <a:ext cx="1443229" cy="2112674"/>
+            </a:xfrm>
+            <a:prstGeom prst="straightConnector1">
+              <a:avLst/>
+            </a:prstGeom>
+            <a:ln w="38100">
+              <a:prstDash val="sysDash"/>
+              <a:tailEnd type="triangle"/>
+            </a:ln>
+          </p:spPr>
+          <p:style>
+            <a:lnRef idx="3">
+              <a:schemeClr val="dk1"/>
+            </a:lnRef>
+            <a:fillRef idx="0">
+              <a:schemeClr val="dk1"/>
+            </a:fillRef>
+            <a:effectRef idx="2">
+              <a:schemeClr val="dk1"/>
+            </a:effectRef>
+            <a:fontRef idx="minor">
+              <a:schemeClr val="tx1"/>
+            </a:fontRef>
+          </p:style>
+        </p:cxnSp>
+        <p:cxnSp>
+          <p:nvCxnSpPr>
+            <p:cNvPr id="4" name="直接箭头连接符 24">
+              <a:extLst>
+                <a:ext uri="{FF2B5EF4-FFF2-40B4-BE49-F238E27FC236}">
+                  <a16:creationId xmlns:a16="http://schemas.microsoft.com/office/drawing/2014/main" id="{FB6F6E56-9419-3B29-FF83-6455E59F4DA6}"/>
+                </a:ext>
+              </a:extLst>
+            </p:cNvPr>
+            <p:cNvCxnSpPr>
+              <a:cxnSpLocks/>
+              <a:stCxn id="18" idx="3"/>
+              <a:endCxn id="9" idx="1"/>
+            </p:cNvCxnSpPr>
+            <p:nvPr/>
+          </p:nvCxnSpPr>
+          <p:spPr>
+            <a:xfrm>
+              <a:off x="2198775" y="2197807"/>
+              <a:ext cx="1440694" cy="2112101"/>
+            </a:xfrm>
+            <a:prstGeom prst="straightConnector1">
+              <a:avLst/>
+            </a:prstGeom>
+            <a:ln w="38100">
+              <a:prstDash val="sysDash"/>
+              <a:tailEnd type="triangle"/>
+            </a:ln>
+          </p:spPr>
+          <p:style>
+            <a:lnRef idx="3">
+              <a:schemeClr val="dk1"/>
+            </a:lnRef>
+            <a:fillRef idx="0">
+              <a:schemeClr val="dk1"/>
+            </a:fillRef>
+            <a:effectRef idx="2">
+              <a:schemeClr val="dk1"/>
+            </a:effectRef>
+            <a:fontRef idx="minor">
+              <a:schemeClr val="tx1"/>
+            </a:fontRef>
+          </p:style>
+        </p:cxnSp>
         <p:sp>
           <p:nvSpPr>
-            <p:cNvPr id="21" name="文本框 15">
+            <p:cNvPr id="5" name="文本框 14">
               <a:extLst>
                 <a:ext uri="{FF2B5EF4-FFF2-40B4-BE49-F238E27FC236}">
-                  <a16:creationId xmlns:a16="http://schemas.microsoft.com/office/drawing/2014/main" id="{30E39B97-8129-7D13-795D-37F3CB2E5C88}"/>
+                  <a16:creationId xmlns:a16="http://schemas.microsoft.com/office/drawing/2014/main" id="{96B08006-BBB4-8E58-0560-55268A0E1329}"/>
                 </a:ext>
               </a:extLst>
             </p:cNvPr>
@@ -35029,7 +35117,59 @@
           </p:nvSpPr>
           <p:spPr>
             <a:xfrm>
-              <a:off x="3648877" y="4560731"/>
+              <a:off x="360617" y="4018094"/>
+              <a:ext cx="1838158" cy="584775"/>
+            </a:xfrm>
+            <a:prstGeom prst="rect">
+              <a:avLst/>
+            </a:prstGeom>
+            <a:noFill/>
+            <a:ln w="38100">
+              <a:solidFill>
+                <a:srgbClr val="00B0F0"/>
+              </a:solidFill>
+            </a:ln>
+          </p:spPr>
+          <p:txBody>
+            <a:bodyPr wrap="square" rtlCol="0">
+              <a:spAutoFit/>
+            </a:bodyPr>
+            <a:lstStyle/>
+            <a:p>
+              <a:pPr algn="ctr"/>
+              <a:r>
+                <a:rPr lang="zh-CN" altLang="en-US" sz="3200" b="1" dirty="0">
+                  <a:solidFill>
+                    <a:srgbClr val="00B0F0"/>
+                  </a:solidFill>
+                  <a:latin typeface="+mn-ea"/>
+                </a:rPr>
+                <a:t>向下比较</a:t>
+              </a:r>
+              <a:endParaRPr lang="zh-TW" altLang="en-US" sz="3200" b="1" dirty="0">
+                <a:solidFill>
+                  <a:srgbClr val="00B0F0"/>
+                </a:solidFill>
+                <a:latin typeface="+mn-ea"/>
+              </a:endParaRPr>
+            </a:p>
+          </p:txBody>
+        </p:sp>
+        <p:sp>
+          <p:nvSpPr>
+            <p:cNvPr id="9" name="文本框 15">
+              <a:extLst>
+                <a:ext uri="{FF2B5EF4-FFF2-40B4-BE49-F238E27FC236}">
+                  <a16:creationId xmlns:a16="http://schemas.microsoft.com/office/drawing/2014/main" id="{11536D52-97B5-77E6-FEC1-504C4CDA3C7D}"/>
+                </a:ext>
+              </a:extLst>
+            </p:cNvPr>
+            <p:cNvSpPr txBox="1"/>
+            <p:nvPr/>
+          </p:nvSpPr>
+          <p:spPr>
+            <a:xfrm>
+              <a:off x="3639469" y="4017520"/>
               <a:ext cx="2287343" cy="584775"/>
             </a:xfrm>
             <a:prstGeom prst="rect">
@@ -35069,10 +35209,10 @@
         </p:sp>
         <p:sp>
           <p:nvSpPr>
-            <p:cNvPr id="23" name="文本框 17">
+            <p:cNvPr id="10" name="文本框 17">
               <a:extLst>
                 <a:ext uri="{FF2B5EF4-FFF2-40B4-BE49-F238E27FC236}">
-                  <a16:creationId xmlns:a16="http://schemas.microsoft.com/office/drawing/2014/main" id="{03E6BD3C-635B-74B1-33A5-5D6284CB8247}"/>
+                  <a16:creationId xmlns:a16="http://schemas.microsoft.com/office/drawing/2014/main" id="{EE693ECB-EC4C-61CA-1806-1F1230CB85CE}"/>
                 </a:ext>
               </a:extLst>
             </p:cNvPr>
@@ -35081,7 +35221,7 @@
           </p:nvSpPr>
           <p:spPr>
             <a:xfrm>
-              <a:off x="6617820" y="3215841"/>
+              <a:off x="6443404" y="2948203"/>
               <a:ext cx="2233013" cy="584775"/>
             </a:xfrm>
             <a:prstGeom prst="rect">
@@ -35121,24 +35261,23 @@
         </p:sp>
         <p:cxnSp>
           <p:nvCxnSpPr>
-            <p:cNvPr id="24" name="直接箭头连接符 18">
+            <p:cNvPr id="12" name="直接箭头连接符 18">
               <a:extLst>
                 <a:ext uri="{FF2B5EF4-FFF2-40B4-BE49-F238E27FC236}">
-                  <a16:creationId xmlns:a16="http://schemas.microsoft.com/office/drawing/2014/main" id="{02DD8AF9-AE4C-2992-1E4E-E8EA508988F9}"/>
+                  <a16:creationId xmlns:a16="http://schemas.microsoft.com/office/drawing/2014/main" id="{30535953-76EF-43D7-03FE-CBA91F3FEA18}"/>
                 </a:ext>
               </a:extLst>
             </p:cNvPr>
             <p:cNvCxnSpPr>
-              <a:cxnSpLocks/>
-              <a:stCxn id="21" idx="3"/>
-              <a:endCxn id="23" idx="1"/>
+              <a:stCxn id="9" idx="3"/>
+              <a:endCxn id="10" idx="1"/>
             </p:cNvCxnSpPr>
             <p:nvPr/>
           </p:nvCxnSpPr>
           <p:spPr>
             <a:xfrm flipV="1">
-              <a:off x="5936220" y="3508229"/>
-              <a:ext cx="681600" cy="1344890"/>
+              <a:off x="5926812" y="3240591"/>
+              <a:ext cx="516592" cy="1069317"/>
             </a:xfrm>
             <a:prstGeom prst="straightConnector1">
               <a:avLst/>
@@ -35164,10 +35303,10 @@
         </p:cxnSp>
         <p:sp>
           <p:nvSpPr>
-            <p:cNvPr id="26" name="文本框 20">
+            <p:cNvPr id="16" name="文本框 20">
               <a:extLst>
                 <a:ext uri="{FF2B5EF4-FFF2-40B4-BE49-F238E27FC236}">
-                  <a16:creationId xmlns:a16="http://schemas.microsoft.com/office/drawing/2014/main" id="{6D2F0CAF-3F73-9FBF-0090-24D499234E0A}"/>
+                  <a16:creationId xmlns:a16="http://schemas.microsoft.com/office/drawing/2014/main" id="{B3FAF0FE-87F6-9F67-9660-68507F386362}"/>
                 </a:ext>
               </a:extLst>
             </p:cNvPr>
@@ -35176,7 +35315,7 @@
           </p:nvSpPr>
           <p:spPr>
             <a:xfrm>
-              <a:off x="6233224" y="4060136"/>
+              <a:off x="6110838" y="3723661"/>
               <a:ext cx="392242" cy="646331"/>
             </a:xfrm>
             <a:prstGeom prst="rect">
@@ -35210,10 +35349,10 @@
         </p:sp>
         <p:sp>
           <p:nvSpPr>
-            <p:cNvPr id="28" name="文本框 22">
+            <p:cNvPr id="18" name="文本框 21">
               <a:extLst>
                 <a:ext uri="{FF2B5EF4-FFF2-40B4-BE49-F238E27FC236}">
-                  <a16:creationId xmlns:a16="http://schemas.microsoft.com/office/drawing/2014/main" id="{497C1A72-020D-CD8C-6422-70F4D335A938}"/>
+                  <a16:creationId xmlns:a16="http://schemas.microsoft.com/office/drawing/2014/main" id="{70A533B0-8CFF-4BDE-A54B-4EE2BF09442B}"/>
                 </a:ext>
               </a:extLst>
             </p:cNvPr>
@@ -35222,7 +35361,59 @@
           </p:nvSpPr>
           <p:spPr>
             <a:xfrm>
-              <a:off x="3651412" y="1891802"/>
+              <a:off x="360617" y="1905419"/>
+              <a:ext cx="1838158" cy="584775"/>
+            </a:xfrm>
+            <a:prstGeom prst="rect">
+              <a:avLst/>
+            </a:prstGeom>
+            <a:noFill/>
+            <a:ln w="38100">
+              <a:solidFill>
+                <a:srgbClr val="FF6903"/>
+              </a:solidFill>
+            </a:ln>
+          </p:spPr>
+          <p:txBody>
+            <a:bodyPr wrap="square" rtlCol="0">
+              <a:spAutoFit/>
+            </a:bodyPr>
+            <a:lstStyle/>
+            <a:p>
+              <a:pPr algn="ctr"/>
+              <a:r>
+                <a:rPr lang="zh-CN" altLang="en-US" sz="3200" b="1" dirty="0">
+                  <a:solidFill>
+                    <a:srgbClr val="FF6903"/>
+                  </a:solidFill>
+                  <a:latin typeface="+mn-ea"/>
+                </a:rPr>
+                <a:t>向上比较</a:t>
+              </a:r>
+              <a:endParaRPr lang="zh-TW" altLang="en-US" sz="3200" b="1" dirty="0">
+                <a:solidFill>
+                  <a:srgbClr val="FF6903"/>
+                </a:solidFill>
+                <a:latin typeface="+mn-ea"/>
+              </a:endParaRPr>
+            </a:p>
+          </p:txBody>
+        </p:sp>
+        <p:sp>
+          <p:nvSpPr>
+            <p:cNvPr id="19" name="文本框 22">
+              <a:extLst>
+                <a:ext uri="{FF2B5EF4-FFF2-40B4-BE49-F238E27FC236}">
+                  <a16:creationId xmlns:a16="http://schemas.microsoft.com/office/drawing/2014/main" id="{E27FD936-033E-84A9-B6B9-D4A769067D51}"/>
+                </a:ext>
+              </a:extLst>
+            </p:cNvPr>
+            <p:cNvSpPr txBox="1"/>
+            <p:nvPr/>
+          </p:nvSpPr>
+          <p:spPr>
+            <a:xfrm>
+              <a:off x="3642004" y="1905420"/>
               <a:ext cx="2284808" cy="584775"/>
             </a:xfrm>
             <a:prstGeom prst="rect">
@@ -35262,24 +35453,23 @@
         </p:sp>
         <p:cxnSp>
           <p:nvCxnSpPr>
-            <p:cNvPr id="30" name="直接箭头连接符 24">
+            <p:cNvPr id="20" name="直接箭头连接符 24">
               <a:extLst>
                 <a:ext uri="{FF2B5EF4-FFF2-40B4-BE49-F238E27FC236}">
-                  <a16:creationId xmlns:a16="http://schemas.microsoft.com/office/drawing/2014/main" id="{38292B99-1710-4788-304C-73C613592DD9}"/>
+                  <a16:creationId xmlns:a16="http://schemas.microsoft.com/office/drawing/2014/main" id="{219982FA-B352-FDC7-EEE7-790813535329}"/>
                 </a:ext>
               </a:extLst>
             </p:cNvPr>
             <p:cNvCxnSpPr>
-              <a:cxnSpLocks/>
-              <a:stCxn id="28" idx="3"/>
-              <a:endCxn id="23" idx="1"/>
+              <a:stCxn id="19" idx="3"/>
+              <a:endCxn id="10" idx="1"/>
             </p:cNvCxnSpPr>
             <p:nvPr/>
           </p:nvCxnSpPr>
           <p:spPr>
             <a:xfrm>
-              <a:off x="5936220" y="2184190"/>
-              <a:ext cx="681600" cy="1324039"/>
+              <a:off x="5926812" y="2197808"/>
+              <a:ext cx="516592" cy="1042783"/>
             </a:xfrm>
             <a:prstGeom prst="straightConnector1">
               <a:avLst/>
@@ -35305,10 +35495,10 @@
         </p:cxnSp>
         <p:sp>
           <p:nvSpPr>
-            <p:cNvPr id="32" name="文本框 27">
+            <p:cNvPr id="22" name="文本框 44">
               <a:extLst>
                 <a:ext uri="{FF2B5EF4-FFF2-40B4-BE49-F238E27FC236}">
-                  <a16:creationId xmlns:a16="http://schemas.microsoft.com/office/drawing/2014/main" id="{2E2B3994-CD28-E984-C3CE-94F80A60EC42}"/>
+                  <a16:creationId xmlns:a16="http://schemas.microsoft.com/office/drawing/2014/main" id="{A5943F6D-4C8A-0434-B539-E1CAAD824F8F}"/>
                 </a:ext>
               </a:extLst>
             </p:cNvPr>
@@ -35317,15 +35507,22 @@
           </p:nvSpPr>
           <p:spPr>
             <a:xfrm>
-              <a:off x="6227030" y="2329999"/>
-              <a:ext cx="392242" cy="646331"/>
+              <a:off x="1592925" y="2945221"/>
+              <a:ext cx="2678361" cy="584775"/>
             </a:xfrm>
             <a:prstGeom prst="rect">
               <a:avLst/>
             </a:prstGeom>
-            <a:noFill/>
+            <a:solidFill>
+              <a:schemeClr val="bg1"/>
+            </a:solidFill>
             <a:ln w="38100">
-              <a:noFill/>
+              <a:solidFill>
+                <a:schemeClr val="accent4">
+                  <a:lumMod val="60000"/>
+                  <a:lumOff val="40000"/>
+                </a:schemeClr>
+              </a:solidFill>
             </a:ln>
           </p:spPr>
           <p:txBody>
@@ -35336,25 +35533,35 @@
             <a:p>
               <a:pPr algn="ctr"/>
               <a:r>
-                <a:rPr lang="en-US" altLang="zh-TW" sz="3600" b="1" dirty="0">
-                  <a:latin typeface="Times New Roman" panose="02020603050405020304" pitchFamily="18" charset="0"/>
-                  <a:cs typeface="Times New Roman" panose="02020603050405020304" pitchFamily="18" charset="0"/>
+                <a:rPr lang="zh-CN" altLang="en-US" sz="3200" b="1" dirty="0">
+                  <a:solidFill>
+                    <a:schemeClr val="accent4">
+                      <a:lumMod val="60000"/>
+                      <a:lumOff val="40000"/>
+                    </a:schemeClr>
+                  </a:solidFill>
+                  <a:latin typeface="+mn-ea"/>
                 </a:rPr>
-                <a:t>-</a:t>
+                <a:t>社会比较倾向</a:t>
               </a:r>
-              <a:endParaRPr lang="zh-TW" altLang="en-US" sz="3600" b="1" dirty="0">
-                <a:latin typeface="Times New Roman" panose="02020603050405020304" pitchFamily="18" charset="0"/>
-                <a:cs typeface="Times New Roman" panose="02020603050405020304" pitchFamily="18" charset="0"/>
+              <a:endParaRPr lang="zh-TW" altLang="en-US" sz="3200" b="1" dirty="0">
+                <a:solidFill>
+                  <a:schemeClr val="accent4">
+                    <a:lumMod val="60000"/>
+                    <a:lumOff val="40000"/>
+                  </a:schemeClr>
+                </a:solidFill>
+                <a:latin typeface="+mn-ea"/>
               </a:endParaRPr>
             </a:p>
           </p:txBody>
         </p:sp>
         <p:sp>
           <p:nvSpPr>
-            <p:cNvPr id="15" name="右大括弧 14">
+            <p:cNvPr id="25" name="右大括弧 24">
               <a:extLst>
                 <a:ext uri="{FF2B5EF4-FFF2-40B4-BE49-F238E27FC236}">
-                  <a16:creationId xmlns:a16="http://schemas.microsoft.com/office/drawing/2014/main" id="{598800CA-AA58-53B2-24A0-F1A0104CC602}"/>
+                  <a16:creationId xmlns:a16="http://schemas.microsoft.com/office/drawing/2014/main" id="{81924E3E-0805-3D13-D73B-6CC0A7832573}"/>
                 </a:ext>
               </a:extLst>
             </p:cNvPr>
@@ -35373,6 +35580,12 @@
             <a:ln w="38100">
               <a:gradFill flip="none" rotWithShape="1">
                 <a:gsLst>
+                  <a:gs pos="66000">
+                    <a:srgbClr val="0070C0"/>
+                  </a:gs>
+                  <a:gs pos="33000">
+                    <a:srgbClr val="C00000"/>
+                  </a:gs>
                   <a:gs pos="0">
                     <a:srgbClr val="FFD966"/>
                   </a:gs>
@@ -35410,10 +35623,10 @@
         </p:sp>
         <p:sp>
           <p:nvSpPr>
-            <p:cNvPr id="17" name="文字方塊 16">
+            <p:cNvPr id="27" name="文字方塊 26">
               <a:extLst>
                 <a:ext uri="{FF2B5EF4-FFF2-40B4-BE49-F238E27FC236}">
-                  <a16:creationId xmlns:a16="http://schemas.microsoft.com/office/drawing/2014/main" id="{389911E1-E1E1-4CA3-BD36-EAF8B22A18B4}"/>
+                  <a16:creationId xmlns:a16="http://schemas.microsoft.com/office/drawing/2014/main" id="{F762FE20-BF8B-F305-9BF5-FAF100D42B9B}"/>
                 </a:ext>
               </a:extLst>
             </p:cNvPr>
@@ -35444,119 +35657,26 @@
             </a:p>
           </p:txBody>
         </p:sp>
-        <p:sp>
-          <p:nvSpPr>
-            <p:cNvPr id="33" name="文本框 44">
+        <p:cxnSp>
+          <p:nvCxnSpPr>
+            <p:cNvPr id="29" name="直接箭头连接符 24">
               <a:extLst>
                 <a:ext uri="{FF2B5EF4-FFF2-40B4-BE49-F238E27FC236}">
-                  <a16:creationId xmlns:a16="http://schemas.microsoft.com/office/drawing/2014/main" id="{B079C372-6189-AB67-B42D-C1D912DB0752}"/>
-                </a:ext>
-              </a:extLst>
-            </p:cNvPr>
-            <p:cNvSpPr txBox="1"/>
-            <p:nvPr/>
-          </p:nvSpPr>
-          <p:spPr>
-            <a:xfrm>
-              <a:off x="192088" y="2723398"/>
-              <a:ext cx="2678361" cy="1569660"/>
-            </a:xfrm>
-            <a:prstGeom prst="rect">
-              <a:avLst/>
-            </a:prstGeom>
-            <a:noFill/>
-            <a:ln w="38100">
-              <a:solidFill>
-                <a:schemeClr val="accent4">
-                  <a:lumMod val="60000"/>
-                  <a:lumOff val="40000"/>
-                </a:schemeClr>
-              </a:solidFill>
-            </a:ln>
-          </p:spPr>
-          <p:txBody>
-            <a:bodyPr wrap="square" rtlCol="0">
-              <a:spAutoFit/>
-            </a:bodyPr>
-            <a:lstStyle/>
-            <a:p>
-              <a:pPr algn="ctr"/>
-              <a:r>
-                <a:rPr lang="zh-CN" altLang="en-US" sz="3200" b="1" dirty="0">
-                  <a:solidFill>
-                    <a:srgbClr val="FFD966"/>
-                  </a:solidFill>
-                  <a:latin typeface="+mn-ea"/>
-                </a:rPr>
-                <a:t>社会比较倾向</a:t>
-              </a:r>
-              <a:endParaRPr lang="en-US" altLang="zh-CN" sz="3200" b="1" dirty="0">
-                <a:solidFill>
-                  <a:srgbClr val="FFD966"/>
-                </a:solidFill>
-                <a:latin typeface="+mn-ea"/>
-              </a:endParaRPr>
-            </a:p>
-            <a:p>
-              <a:pPr algn="ctr"/>
-              <a:r>
-                <a:rPr lang="en-US" altLang="zh-CN" sz="3200" b="1" dirty="0">
-                  <a:solidFill>
-                    <a:srgbClr val="FFD966"/>
-                  </a:solidFill>
-                  <a:latin typeface="Times New Roman" panose="02020603050405020304" pitchFamily="18" charset="0"/>
-                  <a:cs typeface="Times New Roman" panose="02020603050405020304" pitchFamily="18" charset="0"/>
-                </a:rPr>
-                <a:t>✖</a:t>
-              </a:r>
-              <a:endParaRPr lang="zh-CN" altLang="en-US" sz="3200" b="1" dirty="0">
-                <a:solidFill>
-                  <a:srgbClr val="FFD966"/>
-                </a:solidFill>
-                <a:latin typeface="Times New Roman" panose="02020603050405020304" pitchFamily="18" charset="0"/>
-                <a:cs typeface="Times New Roman" panose="02020603050405020304" pitchFamily="18" charset="0"/>
-              </a:endParaRPr>
-            </a:p>
-            <a:p>
-              <a:pPr algn="ctr"/>
-              <a:r>
-                <a:rPr lang="zh-CN" altLang="en-US" sz="3200" b="1" dirty="0">
-                  <a:solidFill>
-                    <a:srgbClr val="FFD966"/>
-                  </a:solidFill>
-                  <a:latin typeface="+mn-ea"/>
-                </a:rPr>
-                <a:t>社会比较方向</a:t>
-              </a:r>
-              <a:endParaRPr lang="zh-TW" altLang="en-US" sz="3200" b="1" dirty="0">
-                <a:solidFill>
-                  <a:srgbClr val="FFD966"/>
-                </a:solidFill>
-                <a:latin typeface="+mn-ea"/>
-              </a:endParaRPr>
-            </a:p>
-          </p:txBody>
-        </p:sp>
-        <p:cxnSp>
-          <p:nvCxnSpPr>
-            <p:cNvPr id="57" name="直接箭头连接符 24">
-              <a:extLst>
-                <a:ext uri="{FF2B5EF4-FFF2-40B4-BE49-F238E27FC236}">
-                  <a16:creationId xmlns:a16="http://schemas.microsoft.com/office/drawing/2014/main" id="{3C94F9B9-4F53-3A3B-053C-6FA3AE519D0D}"/>
+                  <a16:creationId xmlns:a16="http://schemas.microsoft.com/office/drawing/2014/main" id="{42FE617F-FCA7-E4D6-80CF-3BAFE17A48B2}"/>
                 </a:ext>
               </a:extLst>
             </p:cNvPr>
             <p:cNvCxnSpPr>
               <a:cxnSpLocks/>
-              <a:stCxn id="33" idx="3"/>
-              <a:endCxn id="28" idx="1"/>
+              <a:stCxn id="18" idx="3"/>
+              <a:endCxn id="19" idx="1"/>
             </p:cNvCxnSpPr>
             <p:nvPr/>
           </p:nvCxnSpPr>
           <p:spPr>
-            <a:xfrm flipV="1">
-              <a:off x="2870449" y="2184190"/>
-              <a:ext cx="780963" cy="1324038"/>
+            <a:xfrm>
+              <a:off x="2198775" y="2197807"/>
+              <a:ext cx="1443229" cy="1"/>
             </a:xfrm>
             <a:prstGeom prst="straightConnector1">
               <a:avLst/>
@@ -35582,24 +35702,24 @@
         </p:cxnSp>
         <p:cxnSp>
           <p:nvCxnSpPr>
-            <p:cNvPr id="60" name="直接箭头连接符 24">
+            <p:cNvPr id="31" name="直接箭头连接符 24">
               <a:extLst>
                 <a:ext uri="{FF2B5EF4-FFF2-40B4-BE49-F238E27FC236}">
-                  <a16:creationId xmlns:a16="http://schemas.microsoft.com/office/drawing/2014/main" id="{3B96B592-9D6D-EF0A-8815-5E9E36A4695F}"/>
+                  <a16:creationId xmlns:a16="http://schemas.microsoft.com/office/drawing/2014/main" id="{F44B1F66-8B4C-1E79-5105-1F6DB27D3DE8}"/>
                 </a:ext>
               </a:extLst>
             </p:cNvPr>
             <p:cNvCxnSpPr>
               <a:cxnSpLocks/>
-              <a:stCxn id="33" idx="3"/>
-              <a:endCxn id="21" idx="1"/>
+              <a:stCxn id="5" idx="3"/>
+              <a:endCxn id="9" idx="1"/>
             </p:cNvCxnSpPr>
             <p:nvPr/>
           </p:nvCxnSpPr>
           <p:spPr>
-            <a:xfrm>
-              <a:off x="2870449" y="3508228"/>
-              <a:ext cx="778428" cy="1344891"/>
+            <a:xfrm flipV="1">
+              <a:off x="2198775" y="4309908"/>
+              <a:ext cx="1440694" cy="574"/>
             </a:xfrm>
             <a:prstGeom prst="straightConnector1">
               <a:avLst/>
@@ -35623,6 +35743,228 @@
             </a:fontRef>
           </p:style>
         </p:cxnSp>
+        <p:cxnSp>
+          <p:nvCxnSpPr>
+            <p:cNvPr id="34" name="直接箭头连接符 24">
+              <a:extLst>
+                <a:ext uri="{FF2B5EF4-FFF2-40B4-BE49-F238E27FC236}">
+                  <a16:creationId xmlns:a16="http://schemas.microsoft.com/office/drawing/2014/main" id="{A809D641-04D9-D1E7-1C4D-F23E88FA6D28}"/>
+                </a:ext>
+              </a:extLst>
+            </p:cNvPr>
+            <p:cNvCxnSpPr>
+              <a:cxnSpLocks/>
+              <a:stCxn id="22" idx="0"/>
+            </p:cNvCxnSpPr>
+            <p:nvPr/>
+          </p:nvCxnSpPr>
+          <p:spPr>
+            <a:xfrm flipV="1">
+              <a:off x="2932106" y="2176560"/>
+              <a:ext cx="0" cy="768661"/>
+            </a:xfrm>
+            <a:prstGeom prst="straightConnector1">
+              <a:avLst/>
+            </a:prstGeom>
+            <a:ln w="38100">
+              <a:tailEnd type="triangle"/>
+            </a:ln>
+          </p:spPr>
+          <p:style>
+            <a:lnRef idx="3">
+              <a:schemeClr val="dk1"/>
+            </a:lnRef>
+            <a:fillRef idx="0">
+              <a:schemeClr val="dk1"/>
+            </a:fillRef>
+            <a:effectRef idx="2">
+              <a:schemeClr val="dk1"/>
+            </a:effectRef>
+            <a:fontRef idx="minor">
+              <a:schemeClr val="tx1"/>
+            </a:fontRef>
+          </p:style>
+        </p:cxnSp>
+        <p:cxnSp>
+          <p:nvCxnSpPr>
+            <p:cNvPr id="35" name="直接箭头连接符 24">
+              <a:extLst>
+                <a:ext uri="{FF2B5EF4-FFF2-40B4-BE49-F238E27FC236}">
+                  <a16:creationId xmlns:a16="http://schemas.microsoft.com/office/drawing/2014/main" id="{078763F4-8107-9C88-CBEB-F6CAE5FF1CF8}"/>
+                </a:ext>
+              </a:extLst>
+            </p:cNvPr>
+            <p:cNvCxnSpPr>
+              <a:cxnSpLocks/>
+              <a:stCxn id="22" idx="2"/>
+            </p:cNvCxnSpPr>
+            <p:nvPr/>
+          </p:nvCxnSpPr>
+          <p:spPr>
+            <a:xfrm>
+              <a:off x="2932106" y="3529996"/>
+              <a:ext cx="0" cy="779911"/>
+            </a:xfrm>
+            <a:prstGeom prst="straightConnector1">
+              <a:avLst/>
+            </a:prstGeom>
+            <a:ln w="38100">
+              <a:tailEnd type="triangle"/>
+            </a:ln>
+          </p:spPr>
+          <p:style>
+            <a:lnRef idx="3">
+              <a:schemeClr val="dk1"/>
+            </a:lnRef>
+            <a:fillRef idx="0">
+              <a:schemeClr val="dk1"/>
+            </a:fillRef>
+            <a:effectRef idx="2">
+              <a:schemeClr val="dk1"/>
+            </a:effectRef>
+            <a:fontRef idx="minor">
+              <a:schemeClr val="tx1"/>
+            </a:fontRef>
+          </p:style>
+        </p:cxnSp>
+        <p:sp>
+          <p:nvSpPr>
+            <p:cNvPr id="36" name="文本框 20">
+              <a:extLst>
+                <a:ext uri="{FF2B5EF4-FFF2-40B4-BE49-F238E27FC236}">
+                  <a16:creationId xmlns:a16="http://schemas.microsoft.com/office/drawing/2014/main" id="{8790838B-2DFF-E77C-4CE7-40E69409E134}"/>
+                </a:ext>
+              </a:extLst>
+            </p:cNvPr>
+            <p:cNvSpPr txBox="1"/>
+            <p:nvPr/>
+          </p:nvSpPr>
+          <p:spPr>
+            <a:xfrm>
+              <a:off x="2735984" y="4187248"/>
+              <a:ext cx="392242" cy="646331"/>
+            </a:xfrm>
+            <a:prstGeom prst="rect">
+              <a:avLst/>
+            </a:prstGeom>
+            <a:noFill/>
+            <a:ln w="38100">
+              <a:noFill/>
+            </a:ln>
+          </p:spPr>
+          <p:txBody>
+            <a:bodyPr wrap="square" rtlCol="0">
+              <a:spAutoFit/>
+            </a:bodyPr>
+            <a:lstStyle/>
+            <a:p>
+              <a:pPr algn="ctr"/>
+              <a:r>
+                <a:rPr lang="en-US" altLang="zh-TW" sz="3600" b="1" dirty="0">
+                  <a:latin typeface="Times New Roman" panose="02020603050405020304" pitchFamily="18" charset="0"/>
+                  <a:cs typeface="Times New Roman" panose="02020603050405020304" pitchFamily="18" charset="0"/>
+                </a:rPr>
+                <a:t>+</a:t>
+              </a:r>
+              <a:endParaRPr lang="zh-TW" altLang="en-US" sz="3600" b="1" dirty="0">
+                <a:latin typeface="Times New Roman" panose="02020603050405020304" pitchFamily="18" charset="0"/>
+                <a:cs typeface="Times New Roman" panose="02020603050405020304" pitchFamily="18" charset="0"/>
+              </a:endParaRPr>
+            </a:p>
+          </p:txBody>
+        </p:sp>
+        <p:sp>
+          <p:nvSpPr>
+            <p:cNvPr id="37" name="文本框 27">
+              <a:extLst>
+                <a:ext uri="{FF2B5EF4-FFF2-40B4-BE49-F238E27FC236}">
+                  <a16:creationId xmlns:a16="http://schemas.microsoft.com/office/drawing/2014/main" id="{2E295DBA-8228-E138-2BE3-C8659BC72A3E}"/>
+                </a:ext>
+              </a:extLst>
+            </p:cNvPr>
+            <p:cNvSpPr txBox="1"/>
+            <p:nvPr/>
+          </p:nvSpPr>
+          <p:spPr>
+            <a:xfrm>
+              <a:off x="6096000" y="2089617"/>
+              <a:ext cx="392242" cy="769441"/>
+            </a:xfrm>
+            <a:prstGeom prst="rect">
+              <a:avLst/>
+            </a:prstGeom>
+            <a:noFill/>
+            <a:ln w="38100">
+              <a:noFill/>
+            </a:ln>
+          </p:spPr>
+          <p:txBody>
+            <a:bodyPr wrap="square" rtlCol="0">
+              <a:spAutoFit/>
+            </a:bodyPr>
+            <a:lstStyle/>
+            <a:p>
+              <a:pPr algn="ctr"/>
+              <a:r>
+                <a:rPr lang="en-US" altLang="zh-TW" sz="4400" b="1" dirty="0">
+                  <a:latin typeface="Times New Roman" panose="02020603050405020304" pitchFamily="18" charset="0"/>
+                  <a:cs typeface="Times New Roman" panose="02020603050405020304" pitchFamily="18" charset="0"/>
+                </a:rPr>
+                <a:t>-</a:t>
+              </a:r>
+              <a:endParaRPr lang="zh-TW" altLang="en-US" sz="4400" b="1" dirty="0">
+                <a:latin typeface="Times New Roman" panose="02020603050405020304" pitchFamily="18" charset="0"/>
+                <a:cs typeface="Times New Roman" panose="02020603050405020304" pitchFamily="18" charset="0"/>
+              </a:endParaRPr>
+            </a:p>
+          </p:txBody>
+        </p:sp>
+        <p:sp>
+          <p:nvSpPr>
+            <p:cNvPr id="38" name="文本框 20">
+              <a:extLst>
+                <a:ext uri="{FF2B5EF4-FFF2-40B4-BE49-F238E27FC236}">
+                  <a16:creationId xmlns:a16="http://schemas.microsoft.com/office/drawing/2014/main" id="{D60C7500-A3A9-AAED-ECE2-DA33F6E11052}"/>
+                </a:ext>
+              </a:extLst>
+            </p:cNvPr>
+            <p:cNvSpPr txBox="1"/>
+            <p:nvPr/>
+          </p:nvSpPr>
+          <p:spPr>
+            <a:xfrm>
+              <a:off x="2724268" y="1624981"/>
+              <a:ext cx="392242" cy="646331"/>
+            </a:xfrm>
+            <a:prstGeom prst="rect">
+              <a:avLst/>
+            </a:prstGeom>
+            <a:noFill/>
+            <a:ln w="38100">
+              <a:noFill/>
+            </a:ln>
+          </p:spPr>
+          <p:txBody>
+            <a:bodyPr wrap="square" rtlCol="0">
+              <a:spAutoFit/>
+            </a:bodyPr>
+            <a:lstStyle/>
+            <a:p>
+              <a:pPr algn="ctr"/>
+              <a:r>
+                <a:rPr lang="en-US" altLang="zh-TW" sz="3600" b="1" dirty="0">
+                  <a:latin typeface="Times New Roman" panose="02020603050405020304" pitchFamily="18" charset="0"/>
+                  <a:cs typeface="Times New Roman" panose="02020603050405020304" pitchFamily="18" charset="0"/>
+                </a:rPr>
+                <a:t>+</a:t>
+              </a:r>
+              <a:endParaRPr lang="zh-TW" altLang="en-US" sz="3600" b="1" dirty="0">
+                <a:latin typeface="Times New Roman" panose="02020603050405020304" pitchFamily="18" charset="0"/>
+                <a:cs typeface="Times New Roman" panose="02020603050405020304" pitchFamily="18" charset="0"/>
+              </a:endParaRPr>
+            </a:p>
+          </p:txBody>
+        </p:sp>
       </p:grpSp>
     </p:spTree>
     <p:extLst>
@@ -35989,12 +36331,513 @@
           </a:extLst>
         </p:spPr>
       </p:pic>
+      <p:sp>
+        <p:nvSpPr>
+          <p:cNvPr id="31" name="文字方塊 30">
+            <a:extLst>
+              <a:ext uri="{FF2B5EF4-FFF2-40B4-BE49-F238E27FC236}">
+                <a16:creationId xmlns:a16="http://schemas.microsoft.com/office/drawing/2014/main" id="{B96296A8-B58C-5D9F-EBB9-A737889B1505}"/>
+              </a:ext>
+            </a:extLst>
+          </p:cNvPr>
+          <p:cNvSpPr txBox="1"/>
+          <p:nvPr/>
+        </p:nvSpPr>
+        <p:spPr>
+          <a:xfrm>
+            <a:off x="192088" y="985635"/>
+            <a:ext cx="1855044" cy="461665"/>
+          </a:xfrm>
+          <a:prstGeom prst="rect">
+            <a:avLst/>
+          </a:prstGeom>
+          <a:noFill/>
+        </p:spPr>
+        <p:txBody>
+          <a:bodyPr wrap="square" rtlCol="0">
+            <a:spAutoFit/>
+          </a:bodyPr>
+          <a:lstStyle/>
+          <a:p>
+            <a:r>
+              <a:rPr lang="zh-CN" altLang="en-US" sz="2400" b="1" dirty="0"/>
+              <a:t>变量</a:t>
+            </a:r>
+          </a:p>
+        </p:txBody>
+      </p:sp>
+      <p:sp>
+        <p:nvSpPr>
+          <p:cNvPr id="34" name="文字方塊 33">
+            <a:extLst>
+              <a:ext uri="{FF2B5EF4-FFF2-40B4-BE49-F238E27FC236}">
+                <a16:creationId xmlns:a16="http://schemas.microsoft.com/office/drawing/2014/main" id="{7E68868A-8701-0D10-8007-9C9FADFADF5F}"/>
+              </a:ext>
+            </a:extLst>
+          </p:cNvPr>
+          <p:cNvSpPr txBox="1"/>
+          <p:nvPr/>
+        </p:nvSpPr>
+        <p:spPr>
+          <a:xfrm>
+            <a:off x="192088" y="1483946"/>
+            <a:ext cx="3980977" cy="2031325"/>
+          </a:xfrm>
+          <a:prstGeom prst="rect">
+            <a:avLst/>
+          </a:prstGeom>
+          <a:noFill/>
+        </p:spPr>
+        <p:txBody>
+          <a:bodyPr wrap="square" rtlCol="0">
+            <a:spAutoFit/>
+          </a:bodyPr>
+          <a:lstStyle/>
+          <a:p>
+            <a:pPr marL="285750" indent="-285750">
+              <a:buFont typeface="Wingdings" panose="05000000000000000000" pitchFamily="2" charset="2"/>
+              <a:buChar char="p"/>
+            </a:pPr>
+            <a:r>
+              <a:rPr lang="zh-CN" altLang="en-US" dirty="0"/>
+              <a:t>自变量</a:t>
+            </a:r>
+            <a:r>
+              <a:rPr lang="en-US" altLang="zh-CN" dirty="0"/>
+              <a:t>: </a:t>
+            </a:r>
+            <a:r>
+              <a:rPr lang="zh-CN" altLang="en-US" dirty="0"/>
+              <a:t>社会比较方向</a:t>
+            </a:r>
+            <a:endParaRPr lang="en-US" altLang="zh-CN" dirty="0"/>
+          </a:p>
+          <a:p>
+            <a:pPr marL="285750" indent="-285750">
+              <a:buFont typeface="Wingdings" panose="05000000000000000000" pitchFamily="2" charset="2"/>
+              <a:buChar char="p"/>
+            </a:pPr>
+            <a:r>
+              <a:rPr lang="zh-CN" altLang="en-US" dirty="0"/>
+              <a:t>调节变量</a:t>
+            </a:r>
+            <a:r>
+              <a:rPr lang="en-US" altLang="zh-CN" dirty="0"/>
+              <a:t>: </a:t>
+            </a:r>
+            <a:r>
+              <a:rPr lang="zh-CN" altLang="en-US" dirty="0"/>
+              <a:t>社会比较倾向 </a:t>
+            </a:r>
+            <a:r>
+              <a:rPr lang="en-US" altLang="zh-CN" dirty="0"/>
+              <a:t>(11</a:t>
+            </a:r>
+            <a:r>
+              <a:rPr lang="zh-CN" altLang="en-US" dirty="0"/>
+              <a:t>题 </a:t>
+            </a:r>
+            <a:r>
+              <a:rPr lang="en-US" altLang="zh-CN" dirty="0"/>
+              <a:t>5 + 6)</a:t>
+            </a:r>
+          </a:p>
+          <a:p>
+            <a:pPr marL="285750" indent="-285750">
+              <a:buFont typeface="Wingdings" panose="05000000000000000000" pitchFamily="2" charset="2"/>
+              <a:buChar char="p"/>
+            </a:pPr>
+            <a:endParaRPr lang="en-US" altLang="zh-CN" dirty="0"/>
+          </a:p>
+          <a:p>
+            <a:pPr marL="285750" indent="-285750">
+              <a:buFont typeface="Wingdings" panose="05000000000000000000" pitchFamily="2" charset="2"/>
+              <a:buChar char="p"/>
+            </a:pPr>
+            <a:r>
+              <a:rPr lang="zh-CN" altLang="en-US" dirty="0"/>
+              <a:t>中介变量</a:t>
+            </a:r>
+            <a:r>
+              <a:rPr lang="en-US" altLang="zh-CN" dirty="0"/>
+              <a:t>: </a:t>
+            </a:r>
+            <a:r>
+              <a:rPr lang="zh-CN" altLang="en-US" dirty="0"/>
+              <a:t>相对剥夺感 </a:t>
+            </a:r>
+            <a:r>
+              <a:rPr lang="en-US" altLang="zh-CN" dirty="0"/>
+              <a:t>(5</a:t>
+            </a:r>
+            <a:r>
+              <a:rPr lang="zh-CN" altLang="en-US" dirty="0"/>
+              <a:t>题</a:t>
+            </a:r>
+            <a:r>
+              <a:rPr lang="en-US" altLang="zh-CN" dirty="0"/>
+              <a:t>)</a:t>
+            </a:r>
+          </a:p>
+          <a:p>
+            <a:pPr marL="285750" indent="-285750">
+              <a:buFont typeface="Wingdings" panose="05000000000000000000" pitchFamily="2" charset="2"/>
+              <a:buChar char="p"/>
+            </a:pPr>
+            <a:r>
+              <a:rPr lang="zh-CN" altLang="en-US" dirty="0"/>
+              <a:t>中介变量</a:t>
+            </a:r>
+            <a:r>
+              <a:rPr lang="en-US" altLang="zh-CN" dirty="0"/>
+              <a:t>: </a:t>
+            </a:r>
+            <a:r>
+              <a:rPr lang="zh-CN" altLang="en-US" dirty="0"/>
+              <a:t>优越感 </a:t>
+            </a:r>
+            <a:r>
+              <a:rPr lang="en-US" altLang="zh-CN" dirty="0"/>
+              <a:t>(5</a:t>
+            </a:r>
+            <a:r>
+              <a:rPr lang="zh-CN" altLang="en-US" dirty="0"/>
+              <a:t>题</a:t>
+            </a:r>
+            <a:r>
+              <a:rPr lang="en-US" altLang="zh-CN" dirty="0"/>
+              <a:t>)</a:t>
+            </a:r>
+          </a:p>
+          <a:p>
+            <a:pPr marL="285750" indent="-285750">
+              <a:buFont typeface="Wingdings" panose="05000000000000000000" pitchFamily="2" charset="2"/>
+              <a:buChar char="p"/>
+            </a:pPr>
+            <a:endParaRPr lang="en-US" altLang="zh-CN" dirty="0"/>
+          </a:p>
+          <a:p>
+            <a:pPr marL="285750" indent="-285750">
+              <a:buFont typeface="Wingdings" panose="05000000000000000000" pitchFamily="2" charset="2"/>
+              <a:buChar char="p"/>
+            </a:pPr>
+            <a:r>
+              <a:rPr lang="zh-CN" altLang="en-US" dirty="0"/>
+              <a:t>因变量</a:t>
+            </a:r>
+            <a:r>
+              <a:rPr lang="en-US" altLang="zh-CN" dirty="0"/>
+              <a:t>: </a:t>
+            </a:r>
+            <a:r>
+              <a:rPr lang="zh-CN" altLang="en-US" dirty="0"/>
+              <a:t>生活满意度 </a:t>
+            </a:r>
+            <a:r>
+              <a:rPr lang="en-US" altLang="zh-CN" dirty="0"/>
+              <a:t>(5</a:t>
+            </a:r>
+            <a:r>
+              <a:rPr lang="zh-CN" altLang="en-US" dirty="0"/>
+              <a:t>题</a:t>
+            </a:r>
+            <a:r>
+              <a:rPr lang="en-US" altLang="zh-CN" dirty="0"/>
+              <a:t>)</a:t>
+            </a:r>
+            <a:endParaRPr lang="zh-CN" altLang="en-US" dirty="0"/>
+          </a:p>
+        </p:txBody>
+      </p:sp>
+      <p:sp>
+        <p:nvSpPr>
+          <p:cNvPr id="35" name="文字方塊 34">
+            <a:extLst>
+              <a:ext uri="{FF2B5EF4-FFF2-40B4-BE49-F238E27FC236}">
+                <a16:creationId xmlns:a16="http://schemas.microsoft.com/office/drawing/2014/main" id="{CA87D048-F870-9A38-2974-B8E7828D53BB}"/>
+              </a:ext>
+            </a:extLst>
+          </p:cNvPr>
+          <p:cNvSpPr txBox="1"/>
+          <p:nvPr/>
+        </p:nvSpPr>
+        <p:spPr>
+          <a:xfrm>
+            <a:off x="192088" y="3859940"/>
+            <a:ext cx="2807144" cy="461665"/>
+          </a:xfrm>
+          <a:prstGeom prst="rect">
+            <a:avLst/>
+          </a:prstGeom>
+          <a:noFill/>
+        </p:spPr>
+        <p:txBody>
+          <a:bodyPr wrap="square" rtlCol="0">
+            <a:spAutoFit/>
+          </a:bodyPr>
+          <a:lstStyle/>
+          <a:p>
+            <a:r>
+              <a:rPr lang="zh-CN" altLang="en-US" sz="2400" b="1" dirty="0"/>
+              <a:t>较之前实验的推进</a:t>
+            </a:r>
+          </a:p>
+        </p:txBody>
+      </p:sp>
+      <p:sp>
+        <p:nvSpPr>
+          <p:cNvPr id="36" name="文字方塊 35">
+            <a:extLst>
+              <a:ext uri="{FF2B5EF4-FFF2-40B4-BE49-F238E27FC236}">
+                <a16:creationId xmlns:a16="http://schemas.microsoft.com/office/drawing/2014/main" id="{D9D6A59E-7F25-6B4F-CACE-88BAEF9770B6}"/>
+              </a:ext>
+            </a:extLst>
+          </p:cNvPr>
+          <p:cNvSpPr txBox="1"/>
+          <p:nvPr/>
+        </p:nvSpPr>
+        <p:spPr>
+          <a:xfrm>
+            <a:off x="192088" y="4428466"/>
+            <a:ext cx="8833158" cy="923330"/>
+          </a:xfrm>
+          <a:prstGeom prst="rect">
+            <a:avLst/>
+          </a:prstGeom>
+          <a:noFill/>
+        </p:spPr>
+        <p:txBody>
+          <a:bodyPr wrap="square" rtlCol="0">
+            <a:spAutoFit/>
+          </a:bodyPr>
+          <a:lstStyle/>
+          <a:p>
+            <a:pPr marL="285750" indent="-285750">
+              <a:buFont typeface="Wingdings" panose="05000000000000000000" pitchFamily="2" charset="2"/>
+              <a:buChar char="n"/>
+            </a:pPr>
+            <a:r>
+              <a:rPr lang="zh-CN" altLang="en-US" dirty="0"/>
+              <a:t>有研究认为</a:t>
+            </a:r>
+            <a:r>
+              <a:rPr lang="en-US" altLang="zh-CN" dirty="0"/>
+              <a:t>, </a:t>
+            </a:r>
+            <a:r>
+              <a:rPr lang="zh-CN" altLang="en-US" dirty="0"/>
+              <a:t>只有当人们的社会比较倾向较高时</a:t>
+            </a:r>
+            <a:r>
+              <a:rPr lang="en-US" altLang="zh-CN" dirty="0"/>
+              <a:t>, </a:t>
+            </a:r>
+            <a:r>
+              <a:rPr lang="zh-CN" altLang="en-US" dirty="0"/>
+              <a:t>才会在接触到向上比较或向下比较的信息后</a:t>
+            </a:r>
+            <a:r>
+              <a:rPr lang="en-US" altLang="zh-CN" dirty="0"/>
+              <a:t>, </a:t>
+            </a:r>
+            <a:r>
+              <a:rPr lang="zh-CN" altLang="en-US" dirty="0"/>
+              <a:t>产生社会比较 </a:t>
+            </a:r>
+            <a:r>
+              <a:rPr lang="es-ES" altLang="zh-CN" dirty="0">
+                <a:solidFill>
+                  <a:srgbClr val="3BAA33"/>
+                </a:solidFill>
+                <a:latin typeface="Times New Roman" panose="02020603050405020304" pitchFamily="18" charset="0"/>
+                <a:cs typeface="Times New Roman" panose="02020603050405020304" pitchFamily="18" charset="0"/>
+              </a:rPr>
+              <a:t>(Buunk, Zurriaga, </a:t>
+            </a:r>
+            <a:r>
+              <a:rPr lang="es-ES" altLang="zh-CN" dirty="0" err="1">
+                <a:solidFill>
+                  <a:srgbClr val="3BAA33"/>
+                </a:solidFill>
+                <a:latin typeface="Times New Roman" panose="02020603050405020304" pitchFamily="18" charset="0"/>
+                <a:cs typeface="Times New Roman" panose="02020603050405020304" pitchFamily="18" charset="0"/>
+              </a:rPr>
+              <a:t>Gonzalez</a:t>
+            </a:r>
+            <a:r>
+              <a:rPr lang="es-ES" altLang="zh-CN" dirty="0">
+                <a:solidFill>
+                  <a:srgbClr val="3BAA33"/>
+                </a:solidFill>
+                <a:latin typeface="Times New Roman" panose="02020603050405020304" pitchFamily="18" charset="0"/>
+                <a:cs typeface="Times New Roman" panose="02020603050405020304" pitchFamily="18" charset="0"/>
+              </a:rPr>
+              <a:t>-Roma, &amp; Subirats, 2003)</a:t>
+            </a:r>
+            <a:r>
+              <a:rPr lang="zh-CN" altLang="en-US" dirty="0">
+                <a:solidFill>
+                  <a:srgbClr val="3BAA33"/>
+                </a:solidFill>
+                <a:latin typeface="Times New Roman" panose="02020603050405020304" pitchFamily="18" charset="0"/>
+                <a:cs typeface="Times New Roman" panose="02020603050405020304" pitchFamily="18" charset="0"/>
+              </a:rPr>
+              <a:t> </a:t>
+            </a:r>
+            <a:endParaRPr lang="en-US" altLang="zh-CN" dirty="0">
+              <a:solidFill>
+                <a:srgbClr val="3BAA33"/>
+              </a:solidFill>
+            </a:endParaRPr>
+          </a:p>
+          <a:p>
+            <a:pPr marL="285750" indent="-285750">
+              <a:buFont typeface="Wingdings" panose="05000000000000000000" pitchFamily="2" charset="2"/>
+              <a:buChar char="n"/>
+            </a:pPr>
+            <a:r>
+              <a:rPr lang="zh-CN" altLang="en-US" dirty="0"/>
+              <a:t>因此正式实验</a:t>
+            </a:r>
+            <a:r>
+              <a:rPr lang="en-US" altLang="zh-CN" dirty="0"/>
+              <a:t>2</a:t>
+            </a:r>
+            <a:r>
+              <a:rPr lang="zh-CN" altLang="en-US" dirty="0"/>
+              <a:t>将在实验</a:t>
+            </a:r>
+            <a:r>
+              <a:rPr lang="en-US" altLang="zh-CN" dirty="0"/>
+              <a:t>1</a:t>
+            </a:r>
+            <a:r>
+              <a:rPr lang="zh-CN" altLang="en-US" dirty="0"/>
+              <a:t>的基础上增加对社会比较倾向的测量</a:t>
+            </a:r>
+            <a:endParaRPr lang="en-US" altLang="zh-CN" dirty="0"/>
+          </a:p>
+        </p:txBody>
+      </p:sp>
+      <p:sp>
+        <p:nvSpPr>
+          <p:cNvPr id="37" name="文字方塊 36">
+            <a:extLst>
+              <a:ext uri="{FF2B5EF4-FFF2-40B4-BE49-F238E27FC236}">
+                <a16:creationId xmlns:a16="http://schemas.microsoft.com/office/drawing/2014/main" id="{8638FA2B-3E5F-C11B-2DFC-68B5D2C50DB8}"/>
+              </a:ext>
+            </a:extLst>
+          </p:cNvPr>
+          <p:cNvSpPr txBox="1"/>
+          <p:nvPr/>
+        </p:nvSpPr>
+        <p:spPr>
+          <a:xfrm>
+            <a:off x="192088" y="5411847"/>
+            <a:ext cx="1855044" cy="461665"/>
+          </a:xfrm>
+          <a:prstGeom prst="rect">
+            <a:avLst/>
+          </a:prstGeom>
+          <a:noFill/>
+        </p:spPr>
+        <p:txBody>
+          <a:bodyPr wrap="square" rtlCol="0">
+            <a:spAutoFit/>
+          </a:bodyPr>
+          <a:lstStyle/>
+          <a:p>
+            <a:r>
+              <a:rPr lang="zh-CN" altLang="en-US" sz="2400" b="1" dirty="0"/>
+              <a:t>过程</a:t>
+            </a:r>
+          </a:p>
+        </p:txBody>
+      </p:sp>
+      <p:sp>
+        <p:nvSpPr>
+          <p:cNvPr id="39" name="文字方塊 38">
+            <a:extLst>
+              <a:ext uri="{FF2B5EF4-FFF2-40B4-BE49-F238E27FC236}">
+                <a16:creationId xmlns:a16="http://schemas.microsoft.com/office/drawing/2014/main" id="{5FE9DE8E-A41A-04CB-FC9C-24E116CD270B}"/>
+              </a:ext>
+            </a:extLst>
+          </p:cNvPr>
+          <p:cNvSpPr txBox="1"/>
+          <p:nvPr/>
+        </p:nvSpPr>
+        <p:spPr>
+          <a:xfrm>
+            <a:off x="1362456" y="5954140"/>
+            <a:ext cx="7662790" cy="923330"/>
+          </a:xfrm>
+          <a:prstGeom prst="rect">
+            <a:avLst/>
+          </a:prstGeom>
+          <a:noFill/>
+        </p:spPr>
+        <p:txBody>
+          <a:bodyPr wrap="square">
+            <a:spAutoFit/>
+          </a:bodyPr>
+          <a:lstStyle/>
+          <a:p>
+            <a:pPr marL="285750" indent="-285750">
+              <a:buFont typeface="Wingdings" panose="05000000000000000000" pitchFamily="2" charset="2"/>
+              <a:buChar char="p"/>
+            </a:pPr>
+            <a:r>
+              <a:rPr lang="zh-CN" altLang="en-US" dirty="0"/>
+              <a:t>在正式实验</a:t>
+            </a:r>
+            <a:r>
+              <a:rPr lang="en-US" altLang="zh-CN" dirty="0"/>
+              <a:t>2</a:t>
+            </a:r>
+            <a:r>
+              <a:rPr lang="zh-CN" altLang="en-US" dirty="0"/>
+              <a:t>的基础上</a:t>
+            </a:r>
+            <a:endParaRPr lang="en-US" altLang="zh-CN" dirty="0"/>
+          </a:p>
+          <a:p>
+            <a:pPr marL="285750" indent="-285750">
+              <a:buFont typeface="Wingdings" panose="05000000000000000000" pitchFamily="2" charset="2"/>
+              <a:buChar char="u"/>
+            </a:pPr>
+            <a:r>
+              <a:rPr lang="zh-CN" altLang="en-US" dirty="0"/>
+              <a:t>在被试 </a:t>
+            </a:r>
+            <a:r>
+              <a:rPr lang="en-US" altLang="zh-CN" dirty="0"/>
+              <a:t>(310 + ) </a:t>
+            </a:r>
+            <a:r>
+              <a:rPr lang="zh-CN" altLang="en-US" dirty="0"/>
+              <a:t>看完朋友圈截图后</a:t>
+            </a:r>
+            <a:endParaRPr lang="en-US" altLang="zh-CN" dirty="0"/>
+          </a:p>
+          <a:p>
+            <a:pPr marL="742950" lvl="1" indent="-285750">
+              <a:buFont typeface="Wingdings" panose="05000000000000000000" pitchFamily="2" charset="2"/>
+              <a:buChar char="ü"/>
+            </a:pPr>
+            <a:r>
+              <a:rPr lang="zh-CN" altLang="en-US" dirty="0"/>
+              <a:t>填写社会比较倾向问卷</a:t>
+            </a:r>
+            <a:endParaRPr lang="en-US" altLang="zh-CN" dirty="0"/>
+          </a:p>
+        </p:txBody>
+      </p:sp>
       <p:pic>
         <p:nvPicPr>
-          <p:cNvPr id="29" name="圖片 28">
+          <p:cNvPr id="30" name="圖片 29">
             <a:extLst>
               <a:ext uri="{FF2B5EF4-FFF2-40B4-BE49-F238E27FC236}">
-                <a16:creationId xmlns:a16="http://schemas.microsoft.com/office/drawing/2014/main" id="{62764598-8B03-84DA-F999-A125B3732CC1}"/>
+                <a16:creationId xmlns:a16="http://schemas.microsoft.com/office/drawing/2014/main" id="{4CE8F003-43B9-B7D8-0912-EB054C2B9E42}"/>
               </a:ext>
             </a:extLst>
           </p:cNvPr>
@@ -36011,552 +36854,14 @@
         </p:blipFill>
         <p:spPr>
           <a:xfrm>
-            <a:off x="4521896" y="1367019"/>
-            <a:ext cx="4316086" cy="2062554"/>
+            <a:off x="4726382" y="1418925"/>
+            <a:ext cx="4122558" cy="2161369"/>
           </a:xfrm>
           <a:prstGeom prst="rect">
             <a:avLst/>
           </a:prstGeom>
         </p:spPr>
       </p:pic>
-      <p:sp>
-        <p:nvSpPr>
-          <p:cNvPr id="31" name="文字方塊 30">
-            <a:extLst>
-              <a:ext uri="{FF2B5EF4-FFF2-40B4-BE49-F238E27FC236}">
-                <a16:creationId xmlns:a16="http://schemas.microsoft.com/office/drawing/2014/main" id="{B96296A8-B58C-5D9F-EBB9-A737889B1505}"/>
-              </a:ext>
-            </a:extLst>
-          </p:cNvPr>
-          <p:cNvSpPr txBox="1"/>
-          <p:nvPr/>
-        </p:nvSpPr>
-        <p:spPr>
-          <a:xfrm>
-            <a:off x="192088" y="985635"/>
-            <a:ext cx="1855044" cy="461665"/>
-          </a:xfrm>
-          <a:prstGeom prst="rect">
-            <a:avLst/>
-          </a:prstGeom>
-          <a:noFill/>
-        </p:spPr>
-        <p:txBody>
-          <a:bodyPr wrap="square" rtlCol="0">
-            <a:spAutoFit/>
-          </a:bodyPr>
-          <a:lstStyle/>
-          <a:p>
-            <a:r>
-              <a:rPr lang="zh-CN" altLang="en-US" sz="2400" b="1" dirty="0"/>
-              <a:t>变量</a:t>
-            </a:r>
-          </a:p>
-        </p:txBody>
-      </p:sp>
-      <p:sp>
-        <p:nvSpPr>
-          <p:cNvPr id="34" name="文字方塊 33">
-            <a:extLst>
-              <a:ext uri="{FF2B5EF4-FFF2-40B4-BE49-F238E27FC236}">
-                <a16:creationId xmlns:a16="http://schemas.microsoft.com/office/drawing/2014/main" id="{7E68868A-8701-0D10-8007-9C9FADFADF5F}"/>
-              </a:ext>
-            </a:extLst>
-          </p:cNvPr>
-          <p:cNvSpPr txBox="1"/>
-          <p:nvPr/>
-        </p:nvSpPr>
-        <p:spPr>
-          <a:xfrm>
-            <a:off x="192088" y="1389384"/>
-            <a:ext cx="3980977" cy="2031325"/>
-          </a:xfrm>
-          <a:prstGeom prst="rect">
-            <a:avLst/>
-          </a:prstGeom>
-          <a:noFill/>
-        </p:spPr>
-        <p:txBody>
-          <a:bodyPr wrap="square" rtlCol="0">
-            <a:spAutoFit/>
-          </a:bodyPr>
-          <a:lstStyle/>
-          <a:p>
-            <a:pPr marL="285750" indent="-285750">
-              <a:buFont typeface="Wingdings" panose="05000000000000000000" pitchFamily="2" charset="2"/>
-              <a:buChar char="p"/>
-            </a:pPr>
-            <a:r>
-              <a:rPr lang="zh-CN" altLang="en-US" dirty="0"/>
-              <a:t>自变量</a:t>
-            </a:r>
-            <a:r>
-              <a:rPr lang="en-US" altLang="zh-CN" dirty="0"/>
-              <a:t>: </a:t>
-            </a:r>
-            <a:r>
-              <a:rPr lang="zh-CN" altLang="en-US" dirty="0"/>
-              <a:t>社会比较倾向 </a:t>
-            </a:r>
-            <a:r>
-              <a:rPr lang="en-US" altLang="zh-CN" dirty="0"/>
-              <a:t>(11</a:t>
-            </a:r>
-            <a:r>
-              <a:rPr lang="zh-CN" altLang="en-US" dirty="0"/>
-              <a:t>题 </a:t>
-            </a:r>
-            <a:r>
-              <a:rPr lang="en-US" altLang="zh-CN" dirty="0"/>
-              <a:t>5 + 6)</a:t>
-            </a:r>
-          </a:p>
-          <a:p>
-            <a:pPr marL="285750" indent="-285750">
-              <a:buFont typeface="Wingdings" panose="05000000000000000000" pitchFamily="2" charset="2"/>
-              <a:buChar char="p"/>
-            </a:pPr>
-            <a:r>
-              <a:rPr lang="zh-CN" altLang="en-US" dirty="0"/>
-              <a:t>自变量</a:t>
-            </a:r>
-            <a:r>
-              <a:rPr lang="en-US" altLang="zh-CN" dirty="0"/>
-              <a:t>: </a:t>
-            </a:r>
-            <a:r>
-              <a:rPr lang="zh-CN" altLang="en-US" dirty="0"/>
-              <a:t>社会比较方向 </a:t>
-            </a:r>
-            <a:r>
-              <a:rPr lang="en-US" altLang="zh-CN" dirty="0"/>
-              <a:t>(3</a:t>
-            </a:r>
-            <a:r>
-              <a:rPr lang="zh-CN" altLang="en-US" dirty="0"/>
-              <a:t>题</a:t>
-            </a:r>
-            <a:r>
-              <a:rPr lang="en-US" altLang="zh-CN" dirty="0"/>
-              <a:t>)</a:t>
-            </a:r>
-          </a:p>
-          <a:p>
-            <a:pPr marL="285750" indent="-285750">
-              <a:buFont typeface="Wingdings" panose="05000000000000000000" pitchFamily="2" charset="2"/>
-              <a:buChar char="p"/>
-            </a:pPr>
-            <a:endParaRPr lang="en-US" altLang="zh-CN" dirty="0"/>
-          </a:p>
-          <a:p>
-            <a:pPr marL="285750" indent="-285750">
-              <a:buFont typeface="Wingdings" panose="05000000000000000000" pitchFamily="2" charset="2"/>
-              <a:buChar char="p"/>
-            </a:pPr>
-            <a:r>
-              <a:rPr lang="zh-CN" altLang="en-US" dirty="0"/>
-              <a:t>中介变量</a:t>
-            </a:r>
-            <a:r>
-              <a:rPr lang="en-US" altLang="zh-CN" dirty="0"/>
-              <a:t>: </a:t>
-            </a:r>
-            <a:r>
-              <a:rPr lang="zh-CN" altLang="en-US" dirty="0"/>
-              <a:t>相对剥夺感 </a:t>
-            </a:r>
-            <a:r>
-              <a:rPr lang="en-US" altLang="zh-CN" dirty="0"/>
-              <a:t>(5</a:t>
-            </a:r>
-            <a:r>
-              <a:rPr lang="zh-CN" altLang="en-US" dirty="0"/>
-              <a:t>题</a:t>
-            </a:r>
-            <a:r>
-              <a:rPr lang="en-US" altLang="zh-CN" dirty="0"/>
-              <a:t>)</a:t>
-            </a:r>
-          </a:p>
-          <a:p>
-            <a:pPr marL="285750" indent="-285750">
-              <a:buFont typeface="Wingdings" panose="05000000000000000000" pitchFamily="2" charset="2"/>
-              <a:buChar char="p"/>
-            </a:pPr>
-            <a:r>
-              <a:rPr lang="zh-CN" altLang="en-US" dirty="0"/>
-              <a:t>中介变量</a:t>
-            </a:r>
-            <a:r>
-              <a:rPr lang="en-US" altLang="zh-CN" dirty="0"/>
-              <a:t>: </a:t>
-            </a:r>
-            <a:r>
-              <a:rPr lang="zh-CN" altLang="en-US" dirty="0"/>
-              <a:t>优越感 </a:t>
-            </a:r>
-            <a:r>
-              <a:rPr lang="en-US" altLang="zh-CN" dirty="0"/>
-              <a:t>(5</a:t>
-            </a:r>
-            <a:r>
-              <a:rPr lang="zh-CN" altLang="en-US" dirty="0"/>
-              <a:t>题</a:t>
-            </a:r>
-            <a:r>
-              <a:rPr lang="en-US" altLang="zh-CN" dirty="0"/>
-              <a:t>)</a:t>
-            </a:r>
-          </a:p>
-          <a:p>
-            <a:pPr marL="285750" indent="-285750">
-              <a:buFont typeface="Wingdings" panose="05000000000000000000" pitchFamily="2" charset="2"/>
-              <a:buChar char="p"/>
-            </a:pPr>
-            <a:endParaRPr lang="en-US" altLang="zh-CN" dirty="0"/>
-          </a:p>
-          <a:p>
-            <a:pPr marL="285750" indent="-285750">
-              <a:buFont typeface="Wingdings" panose="05000000000000000000" pitchFamily="2" charset="2"/>
-              <a:buChar char="p"/>
-            </a:pPr>
-            <a:r>
-              <a:rPr lang="zh-CN" altLang="en-US" dirty="0"/>
-              <a:t>因变量</a:t>
-            </a:r>
-            <a:r>
-              <a:rPr lang="en-US" altLang="zh-CN" dirty="0"/>
-              <a:t>: </a:t>
-            </a:r>
-            <a:r>
-              <a:rPr lang="zh-CN" altLang="en-US" dirty="0"/>
-              <a:t>生活满意度 </a:t>
-            </a:r>
-            <a:r>
-              <a:rPr lang="en-US" altLang="zh-CN" dirty="0"/>
-              <a:t>(5</a:t>
-            </a:r>
-            <a:r>
-              <a:rPr lang="zh-CN" altLang="en-US" dirty="0"/>
-              <a:t>题</a:t>
-            </a:r>
-            <a:r>
-              <a:rPr lang="en-US" altLang="zh-CN" dirty="0"/>
-              <a:t>)</a:t>
-            </a:r>
-            <a:endParaRPr lang="zh-CN" altLang="en-US" dirty="0"/>
-          </a:p>
-        </p:txBody>
-      </p:sp>
-      <p:sp>
-        <p:nvSpPr>
-          <p:cNvPr id="35" name="文字方塊 34">
-            <a:extLst>
-              <a:ext uri="{FF2B5EF4-FFF2-40B4-BE49-F238E27FC236}">
-                <a16:creationId xmlns:a16="http://schemas.microsoft.com/office/drawing/2014/main" id="{CA87D048-F870-9A38-2974-B8E7828D53BB}"/>
-              </a:ext>
-            </a:extLst>
-          </p:cNvPr>
-          <p:cNvSpPr txBox="1"/>
-          <p:nvPr/>
-        </p:nvSpPr>
-        <p:spPr>
-          <a:xfrm>
-            <a:off x="192088" y="3616276"/>
-            <a:ext cx="2807144" cy="461665"/>
-          </a:xfrm>
-          <a:prstGeom prst="rect">
-            <a:avLst/>
-          </a:prstGeom>
-          <a:noFill/>
-        </p:spPr>
-        <p:txBody>
-          <a:bodyPr wrap="square" rtlCol="0">
-            <a:spAutoFit/>
-          </a:bodyPr>
-          <a:lstStyle/>
-          <a:p>
-            <a:r>
-              <a:rPr lang="zh-CN" altLang="en-US" sz="2400" b="1" dirty="0"/>
-              <a:t>较之前实验的推进</a:t>
-            </a:r>
-          </a:p>
-        </p:txBody>
-      </p:sp>
-      <p:sp>
-        <p:nvSpPr>
-          <p:cNvPr id="36" name="文字方塊 35">
-            <a:extLst>
-              <a:ext uri="{FF2B5EF4-FFF2-40B4-BE49-F238E27FC236}">
-                <a16:creationId xmlns:a16="http://schemas.microsoft.com/office/drawing/2014/main" id="{D9D6A59E-7F25-6B4F-CACE-88BAEF9770B6}"/>
-              </a:ext>
-            </a:extLst>
-          </p:cNvPr>
-          <p:cNvSpPr txBox="1"/>
-          <p:nvPr/>
-        </p:nvSpPr>
-        <p:spPr>
-          <a:xfrm>
-            <a:off x="192088" y="4158087"/>
-            <a:ext cx="8833158" cy="1200329"/>
-          </a:xfrm>
-          <a:prstGeom prst="rect">
-            <a:avLst/>
-          </a:prstGeom>
-          <a:noFill/>
-        </p:spPr>
-        <p:txBody>
-          <a:bodyPr wrap="square" rtlCol="0">
-            <a:spAutoFit/>
-          </a:bodyPr>
-          <a:lstStyle/>
-          <a:p>
-            <a:pPr marL="285750" indent="-285750">
-              <a:buFont typeface="Wingdings" panose="05000000000000000000" pitchFamily="2" charset="2"/>
-              <a:buChar char="n"/>
-            </a:pPr>
-            <a:r>
-              <a:rPr lang="zh-CN" altLang="en-US" dirty="0"/>
-              <a:t>由于现实生活中人们并不只是接触到向上比较的信息或向下比较的信息</a:t>
-            </a:r>
-            <a:r>
-              <a:rPr lang="en-US" altLang="zh-CN" dirty="0"/>
-              <a:t>. </a:t>
-            </a:r>
-          </a:p>
-          <a:p>
-            <a:pPr marL="285750" indent="-285750">
-              <a:buFont typeface="Wingdings" panose="05000000000000000000" pitchFamily="2" charset="2"/>
-              <a:buChar char="n"/>
-            </a:pPr>
-            <a:r>
-              <a:rPr lang="zh-CN" altLang="en-US" dirty="0"/>
-              <a:t>此外</a:t>
-            </a:r>
-            <a:r>
-              <a:rPr lang="en-US" altLang="zh-CN" dirty="0"/>
-              <a:t>, </a:t>
-            </a:r>
-            <a:r>
-              <a:rPr lang="zh-CN" altLang="en-US" dirty="0"/>
-              <a:t>有研究认为</a:t>
-            </a:r>
-            <a:r>
-              <a:rPr lang="en-US" altLang="zh-CN" dirty="0"/>
-              <a:t>, </a:t>
-            </a:r>
-            <a:r>
-              <a:rPr lang="zh-CN" altLang="en-US" dirty="0"/>
-              <a:t>只有当人们的社会比较倾向较高时</a:t>
-            </a:r>
-            <a:r>
-              <a:rPr lang="en-US" altLang="zh-CN" dirty="0"/>
-              <a:t>, </a:t>
-            </a:r>
-            <a:r>
-              <a:rPr lang="zh-CN" altLang="en-US" dirty="0"/>
-              <a:t>才会在接触到向上比较或向下比较的信息后</a:t>
-            </a:r>
-            <a:r>
-              <a:rPr lang="en-US" altLang="zh-CN" dirty="0"/>
-              <a:t>, </a:t>
-            </a:r>
-            <a:r>
-              <a:rPr lang="zh-CN" altLang="en-US" dirty="0"/>
-              <a:t>产生社会比较 </a:t>
-            </a:r>
-            <a:r>
-              <a:rPr lang="es-ES" altLang="zh-CN" dirty="0">
-                <a:solidFill>
-                  <a:srgbClr val="3BAA33"/>
-                </a:solidFill>
-                <a:latin typeface="Times New Roman" panose="02020603050405020304" pitchFamily="18" charset="0"/>
-                <a:cs typeface="Times New Roman" panose="02020603050405020304" pitchFamily="18" charset="0"/>
-              </a:rPr>
-              <a:t>(Buunk, Zurriaga, </a:t>
-            </a:r>
-            <a:r>
-              <a:rPr lang="es-ES" altLang="zh-CN" dirty="0" err="1">
-                <a:solidFill>
-                  <a:srgbClr val="3BAA33"/>
-                </a:solidFill>
-                <a:latin typeface="Times New Roman" panose="02020603050405020304" pitchFamily="18" charset="0"/>
-                <a:cs typeface="Times New Roman" panose="02020603050405020304" pitchFamily="18" charset="0"/>
-              </a:rPr>
-              <a:t>Gonzalez</a:t>
-            </a:r>
-            <a:r>
-              <a:rPr lang="es-ES" altLang="zh-CN" dirty="0">
-                <a:solidFill>
-                  <a:srgbClr val="3BAA33"/>
-                </a:solidFill>
-                <a:latin typeface="Times New Roman" panose="02020603050405020304" pitchFamily="18" charset="0"/>
-                <a:cs typeface="Times New Roman" panose="02020603050405020304" pitchFamily="18" charset="0"/>
-              </a:rPr>
-              <a:t>-Roma, &amp; Subirats, 2003)</a:t>
-            </a:r>
-            <a:r>
-              <a:rPr lang="zh-CN" altLang="en-US" dirty="0">
-                <a:solidFill>
-                  <a:srgbClr val="3BAA33"/>
-                </a:solidFill>
-                <a:latin typeface="Times New Roman" panose="02020603050405020304" pitchFamily="18" charset="0"/>
-                <a:cs typeface="Times New Roman" panose="02020603050405020304" pitchFamily="18" charset="0"/>
-              </a:rPr>
-              <a:t> </a:t>
-            </a:r>
-            <a:endParaRPr lang="en-US" altLang="zh-CN" dirty="0">
-              <a:solidFill>
-                <a:srgbClr val="3BAA33"/>
-              </a:solidFill>
-            </a:endParaRPr>
-          </a:p>
-          <a:p>
-            <a:pPr marL="285750" indent="-285750">
-              <a:buFont typeface="Wingdings" panose="05000000000000000000" pitchFamily="2" charset="2"/>
-              <a:buChar char="n"/>
-            </a:pPr>
-            <a:r>
-              <a:rPr lang="zh-CN" altLang="en-US" dirty="0"/>
-              <a:t>因此正式实验</a:t>
-            </a:r>
-            <a:r>
-              <a:rPr lang="en-US" altLang="zh-CN" dirty="0"/>
-              <a:t>2</a:t>
-            </a:r>
-            <a:r>
-              <a:rPr lang="zh-CN" altLang="en-US" dirty="0"/>
-              <a:t>将通过问卷的方式</a:t>
-            </a:r>
-            <a:r>
-              <a:rPr lang="en-US" altLang="zh-CN" dirty="0"/>
-              <a:t>, </a:t>
-            </a:r>
-            <a:r>
-              <a:rPr lang="zh-CN" altLang="en-US" dirty="0"/>
-              <a:t>来讨论这种一般性的情况</a:t>
-            </a:r>
-            <a:r>
-              <a:rPr lang="en-US" altLang="zh-CN" dirty="0"/>
-              <a:t>.</a:t>
-            </a:r>
-          </a:p>
-        </p:txBody>
-      </p:sp>
-      <p:sp>
-        <p:nvSpPr>
-          <p:cNvPr id="37" name="文字方塊 36">
-            <a:extLst>
-              <a:ext uri="{FF2B5EF4-FFF2-40B4-BE49-F238E27FC236}">
-                <a16:creationId xmlns:a16="http://schemas.microsoft.com/office/drawing/2014/main" id="{8638FA2B-3E5F-C11B-2DFC-68B5D2C50DB8}"/>
-              </a:ext>
-            </a:extLst>
-          </p:cNvPr>
-          <p:cNvSpPr txBox="1"/>
-          <p:nvPr/>
-        </p:nvSpPr>
-        <p:spPr>
-          <a:xfrm>
-            <a:off x="192088" y="5411847"/>
-            <a:ext cx="1855044" cy="461665"/>
-          </a:xfrm>
-          <a:prstGeom prst="rect">
-            <a:avLst/>
-          </a:prstGeom>
-          <a:noFill/>
-        </p:spPr>
-        <p:txBody>
-          <a:bodyPr wrap="square" rtlCol="0">
-            <a:spAutoFit/>
-          </a:bodyPr>
-          <a:lstStyle/>
-          <a:p>
-            <a:r>
-              <a:rPr lang="zh-CN" altLang="en-US" sz="2400" b="1" dirty="0"/>
-              <a:t>过程</a:t>
-            </a:r>
-          </a:p>
-        </p:txBody>
-      </p:sp>
-      <p:sp>
-        <p:nvSpPr>
-          <p:cNvPr id="39" name="文字方塊 38">
-            <a:extLst>
-              <a:ext uri="{FF2B5EF4-FFF2-40B4-BE49-F238E27FC236}">
-                <a16:creationId xmlns:a16="http://schemas.microsoft.com/office/drawing/2014/main" id="{5FE9DE8E-A41A-04CB-FC9C-24E116CD270B}"/>
-              </a:ext>
-            </a:extLst>
-          </p:cNvPr>
-          <p:cNvSpPr txBox="1"/>
-          <p:nvPr/>
-        </p:nvSpPr>
-        <p:spPr>
-          <a:xfrm>
-            <a:off x="1362456" y="5933563"/>
-            <a:ext cx="7662790" cy="646331"/>
-          </a:xfrm>
-          <a:prstGeom prst="rect">
-            <a:avLst/>
-          </a:prstGeom>
-          <a:noFill/>
-        </p:spPr>
-        <p:txBody>
-          <a:bodyPr wrap="square">
-            <a:spAutoFit/>
-          </a:bodyPr>
-          <a:lstStyle/>
-          <a:p>
-            <a:pPr marL="285750" indent="-285750">
-              <a:buFont typeface="Wingdings" panose="05000000000000000000" pitchFamily="2" charset="2"/>
-              <a:buChar char="p"/>
-            </a:pPr>
-            <a:r>
-              <a:rPr lang="zh-CN" altLang="en-US" dirty="0"/>
-              <a:t>被试 </a:t>
-            </a:r>
-            <a:r>
-              <a:rPr lang="en-US" altLang="zh-CN" dirty="0"/>
-              <a:t>(330 + ) </a:t>
-            </a:r>
-            <a:r>
-              <a:rPr lang="zh-CN" altLang="en-US" dirty="0"/>
-              <a:t>填写社会比较倾向问卷</a:t>
-            </a:r>
-            <a:r>
-              <a:rPr lang="en-US" altLang="zh-CN" dirty="0"/>
-              <a:t>, </a:t>
-            </a:r>
-            <a:r>
-              <a:rPr lang="zh-CN" altLang="en-US" dirty="0"/>
-              <a:t>社会比较方向问卷</a:t>
-            </a:r>
-            <a:r>
-              <a:rPr lang="en-US" altLang="zh-CN" dirty="0"/>
-              <a:t>, </a:t>
-            </a:r>
-            <a:r>
-              <a:rPr lang="zh-CN" altLang="en-US" dirty="0"/>
-              <a:t>相对剥夺感问卷</a:t>
-            </a:r>
-            <a:r>
-              <a:rPr lang="en-US" altLang="zh-CN" dirty="0"/>
-              <a:t>, </a:t>
-            </a:r>
-            <a:r>
-              <a:rPr lang="zh-CN" altLang="en-US" dirty="0"/>
-              <a:t>优越感问卷</a:t>
-            </a:r>
-            <a:r>
-              <a:rPr lang="en-US" altLang="zh-CN" dirty="0"/>
-              <a:t>, </a:t>
-            </a:r>
-            <a:r>
-              <a:rPr lang="zh-CN" altLang="en-US" dirty="0"/>
-              <a:t>生活满意度问卷</a:t>
-            </a:r>
-          </a:p>
-        </p:txBody>
-      </p:sp>
     </p:spTree>
     <p:extLst>
       <p:ext uri="{BB962C8B-B14F-4D97-AF65-F5344CB8AC3E}">
@@ -38822,12 +39127,17 @@
             </a:pPr>
             <a:r>
               <a:rPr lang="zh-CN" altLang="en-US" dirty="0"/>
-              <a:t>同正式实验</a:t>
+              <a:t>在正式实验</a:t>
             </a:r>
             <a:r>
               <a:rPr lang="en-US" altLang="zh-CN" dirty="0"/>
-              <a:t>1</a:t>
-            </a:r>
+              <a:t>2</a:t>
+            </a:r>
+            <a:r>
+              <a:rPr lang="zh-CN" altLang="en-US" dirty="0"/>
+              <a:t>的基础上</a:t>
+            </a:r>
+            <a:endParaRPr lang="en-US" altLang="zh-CN" dirty="0"/>
           </a:p>
           <a:p>
             <a:pPr marL="285750" indent="-285750">
@@ -38836,23 +39146,23 @@
             </a:pPr>
             <a:r>
               <a:rPr lang="zh-CN" altLang="en-US" dirty="0"/>
-              <a:t>区别</a:t>
+              <a:t>在被试 </a:t>
             </a:r>
             <a:r>
               <a:rPr lang="en-US" altLang="zh-CN" dirty="0"/>
-              <a:t>: </a:t>
-            </a:r>
-            <a:r>
-              <a:rPr lang="zh-CN" altLang="en-US" dirty="0"/>
-              <a:t>在被试 </a:t>
-            </a:r>
-            <a:r>
-              <a:rPr lang="en-US" altLang="zh-CN" dirty="0"/>
-              <a:t>(360 + ) </a:t>
+              <a:t>(370 + ) </a:t>
             </a:r>
             <a:r>
               <a:rPr lang="zh-CN" altLang="en-US" dirty="0"/>
               <a:t>看完朋友圈截图后</a:t>
+            </a:r>
+            <a:r>
+              <a:rPr lang="en-US" altLang="zh-CN" dirty="0"/>
+              <a:t>, </a:t>
+            </a:r>
+            <a:r>
+              <a:rPr lang="zh-CN" altLang="en-US" dirty="0"/>
+              <a:t>填写社会比较策略量表</a:t>
             </a:r>
             <a:endParaRPr lang="en-US" altLang="zh-CN" dirty="0"/>
           </a:p>
@@ -39352,7 +39662,7 @@
         </p:blipFill>
         <p:spPr>
           <a:xfrm>
-            <a:off x="4650232" y="1389384"/>
+            <a:off x="4697732" y="1413134"/>
             <a:ext cx="4165874" cy="2184079"/>
           </a:xfrm>
           <a:prstGeom prst="rect">
